--- a/slides/Small_Genome_Assembly.pptx
+++ b/slides/Small_Genome_Assembly.pptx
@@ -13,12 +13,7 @@
   </p:sldMasterIdLst>
   <p:sldIdLst>
     <p:sldId id="338" r:id="rId9"/>
-    <p:sldId id="318" r:id="rId10"/>
-    <p:sldId id="339" r:id="rId11"/>
-    <p:sldId id="340" r:id="rId12"/>
-    <p:sldId id="343" r:id="rId13"/>
-    <p:sldId id="342" r:id="rId14"/>
-    <p:sldId id="341" r:id="rId15"/>
+    <p:sldId id="341" r:id="rId10"/>
   </p:sldIdLst>
   <p:sldSz cx="9144000" cy="6858000" type="screen4x3"/>
   <p:notesSz cx="6858000" cy="9144000"/>
@@ -10521,1144 +10516,6 @@
 </file>
 
 <file path=ppt/slides/slide2.xml><?xml version="1.0" encoding="utf-8"?>
-<p:sld xmlns:a="http://schemas.openxmlformats.org/drawingml/2006/main" xmlns:r="http://schemas.openxmlformats.org/officeDocument/2006/relationships" xmlns:p="http://schemas.openxmlformats.org/presentationml/2006/main">
-  <p:cSld>
-    <p:spTree>
-      <p:nvGrpSpPr>
-        <p:cNvPr id="1" name=""/>
-        <p:cNvGrpSpPr/>
-        <p:nvPr/>
-      </p:nvGrpSpPr>
-      <p:grpSpPr>
-        <a:xfrm>
-          <a:off x="0" y="0"/>
-          <a:ext cx="0" cy="0"/>
-          <a:chOff x="0" y="0"/>
-          <a:chExt cx="0" cy="0"/>
-        </a:xfrm>
-      </p:grpSpPr>
-      <p:sp>
-        <p:nvSpPr>
-          <p:cNvPr id="2" name="Title 1"/>
-          <p:cNvSpPr>
-            <a:spLocks noGrp="1"/>
-          </p:cNvSpPr>
-          <p:nvPr>
-            <p:ph type="title"/>
-          </p:nvPr>
-        </p:nvSpPr>
-        <p:spPr/>
-        <p:txBody>
-          <a:bodyPr/>
-          <a:lstStyle/>
-          <a:p>
-            <a:r>
-              <a:rPr lang="en-US" dirty="0" smtClean="0"/>
-              <a:t>Small genome assembly</a:t>
-            </a:r>
-            <a:endParaRPr lang="en-US" dirty="0"/>
-          </a:p>
-        </p:txBody>
-      </p:sp>
-      <p:sp>
-        <p:nvSpPr>
-          <p:cNvPr id="3" name="Content Placeholder 2"/>
-          <p:cNvSpPr>
-            <a:spLocks noGrp="1"/>
-          </p:cNvSpPr>
-          <p:nvPr>
-            <p:ph idx="1"/>
-          </p:nvPr>
-        </p:nvSpPr>
-        <p:spPr/>
-        <p:txBody>
-          <a:bodyPr>
-            <a:normAutofit/>
-          </a:bodyPr>
-          <a:lstStyle/>
-          <a:p>
-            <a:r>
-              <a:rPr lang="en-US" dirty="0" smtClean="0"/>
-              <a:t>Aim: Sequence, assemble, and analyze several strains of a bacteria</a:t>
-            </a:r>
-          </a:p>
-          <a:p>
-            <a:endParaRPr lang="en-US" dirty="0"/>
-          </a:p>
-          <a:p>
-            <a:r>
-              <a:rPr lang="en-US" dirty="0" smtClean="0"/>
-              <a:t>Method:</a:t>
-            </a:r>
-          </a:p>
-          <a:p>
-            <a:pPr lvl="1"/>
-            <a:r>
-              <a:rPr lang="en-US" dirty="0" smtClean="0"/>
-              <a:t>How would you design this experiment?</a:t>
-            </a:r>
-          </a:p>
-          <a:p>
-            <a:pPr lvl="2"/>
-            <a:r>
-              <a:rPr lang="en-US" dirty="0" smtClean="0"/>
-              <a:t>Which sequence technology would you go for?</a:t>
-            </a:r>
-          </a:p>
-          <a:p>
-            <a:pPr lvl="2"/>
-            <a:r>
-              <a:rPr lang="en-US" dirty="0" smtClean="0"/>
-              <a:t>Would your assembly strategy be the same for all strains?</a:t>
-            </a:r>
-            <a:endParaRPr lang="en-US" dirty="0"/>
-          </a:p>
-        </p:txBody>
-      </p:sp>
-    </p:spTree>
-    <p:extLst>
-      <p:ext uri="{BB962C8B-B14F-4D97-AF65-F5344CB8AC3E}">
-        <p14:creationId xmlns:p14="http://schemas.microsoft.com/office/powerpoint/2010/main" val="1758422953"/>
-      </p:ext>
-    </p:extLst>
-  </p:cSld>
-  <p:clrMapOvr>
-    <a:masterClrMapping/>
-  </p:clrMapOvr>
-</p:sld>
-</file>
-
-<file path=ppt/slides/slide3.xml><?xml version="1.0" encoding="utf-8"?>
-<p:sld xmlns:a="http://schemas.openxmlformats.org/drawingml/2006/main" xmlns:r="http://schemas.openxmlformats.org/officeDocument/2006/relationships" xmlns:p="http://schemas.openxmlformats.org/presentationml/2006/main">
-  <p:cSld>
-    <p:spTree>
-      <p:nvGrpSpPr>
-        <p:cNvPr id="1" name=""/>
-        <p:cNvGrpSpPr/>
-        <p:nvPr/>
-      </p:nvGrpSpPr>
-      <p:grpSpPr>
-        <a:xfrm>
-          <a:off x="0" y="0"/>
-          <a:ext cx="0" cy="0"/>
-          <a:chOff x="0" y="0"/>
-          <a:chExt cx="0" cy="0"/>
-        </a:xfrm>
-      </p:grpSpPr>
-      <p:sp>
-        <p:nvSpPr>
-          <p:cNvPr id="2" name="Title 1"/>
-          <p:cNvSpPr>
-            <a:spLocks noGrp="1"/>
-          </p:cNvSpPr>
-          <p:nvPr>
-            <p:ph type="title"/>
-          </p:nvPr>
-        </p:nvSpPr>
-        <p:spPr/>
-        <p:txBody>
-          <a:bodyPr/>
-          <a:lstStyle/>
-          <a:p>
-            <a:r>
-              <a:rPr lang="en-US" dirty="0" smtClean="0"/>
-              <a:t>Small genome assembly</a:t>
-            </a:r>
-            <a:endParaRPr lang="en-US" dirty="0"/>
-          </a:p>
-        </p:txBody>
-      </p:sp>
-      <p:sp>
-        <p:nvSpPr>
-          <p:cNvPr id="3" name="Content Placeholder 2"/>
-          <p:cNvSpPr>
-            <a:spLocks noGrp="1"/>
-          </p:cNvSpPr>
-          <p:nvPr>
-            <p:ph idx="1"/>
-          </p:nvPr>
-        </p:nvSpPr>
-        <p:spPr/>
-        <p:txBody>
-          <a:bodyPr>
-            <a:normAutofit/>
-          </a:bodyPr>
-          <a:lstStyle/>
-          <a:p>
-            <a:r>
-              <a:rPr lang="en-US" dirty="0" smtClean="0"/>
-              <a:t>Aim: Sequence, assemble, and analyze several strains of a bacteria</a:t>
-            </a:r>
-          </a:p>
-          <a:p>
-            <a:endParaRPr lang="en-US" dirty="0"/>
-          </a:p>
-          <a:p>
-            <a:r>
-              <a:rPr lang="en-US" dirty="0" smtClean="0"/>
-              <a:t>Method:</a:t>
-            </a:r>
-          </a:p>
-          <a:p>
-            <a:pPr lvl="1"/>
-            <a:r>
-              <a:rPr lang="en-US" dirty="0" smtClean="0"/>
-              <a:t>What I would choose:</a:t>
-            </a:r>
-          </a:p>
-          <a:p>
-            <a:pPr lvl="2"/>
-            <a:r>
-              <a:rPr lang="en-US" dirty="0" smtClean="0"/>
-              <a:t>Select one or two strains for a pilot study with </a:t>
-            </a:r>
-            <a:r>
-              <a:rPr lang="en-US" dirty="0" err="1" smtClean="0"/>
-              <a:t>Illumina</a:t>
-            </a:r>
-            <a:r>
-              <a:rPr lang="en-US" dirty="0" smtClean="0"/>
-              <a:t>.</a:t>
-            </a:r>
-          </a:p>
-          <a:p>
-            <a:pPr lvl="3"/>
-            <a:r>
-              <a:rPr lang="en-US" dirty="0" smtClean="0"/>
-              <a:t>Analyze properties</a:t>
-            </a:r>
-          </a:p>
-          <a:p>
-            <a:pPr lvl="2"/>
-            <a:r>
-              <a:rPr lang="en-US" dirty="0" smtClean="0"/>
-              <a:t>Select a few strains that are most important.</a:t>
-            </a:r>
-            <a:endParaRPr lang="en-US" dirty="0"/>
-          </a:p>
-          <a:p>
-            <a:pPr lvl="3"/>
-            <a:r>
-              <a:rPr lang="en-US" dirty="0" smtClean="0"/>
-              <a:t>De novo assemble w. long reads.</a:t>
-            </a:r>
-          </a:p>
-          <a:p>
-            <a:pPr lvl="2"/>
-            <a:r>
-              <a:rPr lang="en-US" dirty="0" smtClean="0"/>
-              <a:t>Sequence the rest with </a:t>
-            </a:r>
-            <a:r>
-              <a:rPr lang="en-US" dirty="0" err="1" smtClean="0"/>
-              <a:t>Illumina</a:t>
-            </a:r>
-            <a:r>
-              <a:rPr lang="en-US" dirty="0" smtClean="0"/>
-              <a:t>. </a:t>
-            </a:r>
-          </a:p>
-          <a:p>
-            <a:pPr lvl="3"/>
-            <a:r>
-              <a:rPr lang="en-US" dirty="0" smtClean="0"/>
-              <a:t>Reference guided assembly. </a:t>
-            </a:r>
-          </a:p>
-        </p:txBody>
-      </p:sp>
-    </p:spTree>
-    <p:extLst>
-      <p:ext uri="{BB962C8B-B14F-4D97-AF65-F5344CB8AC3E}">
-        <p14:creationId xmlns:p14="http://schemas.microsoft.com/office/powerpoint/2010/main" val="3356709432"/>
-      </p:ext>
-    </p:extLst>
-  </p:cSld>
-  <p:clrMapOvr>
-    <a:masterClrMapping/>
-  </p:clrMapOvr>
-</p:sld>
-</file>
-
-<file path=ppt/slides/slide4.xml><?xml version="1.0" encoding="utf-8"?>
-<p:sld xmlns:a="http://schemas.openxmlformats.org/drawingml/2006/main" xmlns:r="http://schemas.openxmlformats.org/officeDocument/2006/relationships" xmlns:p="http://schemas.openxmlformats.org/presentationml/2006/main">
-  <p:cSld>
-    <p:spTree>
-      <p:nvGrpSpPr>
-        <p:cNvPr id="1" name=""/>
-        <p:cNvGrpSpPr/>
-        <p:nvPr/>
-      </p:nvGrpSpPr>
-      <p:grpSpPr>
-        <a:xfrm>
-          <a:off x="0" y="0"/>
-          <a:ext cx="0" cy="0"/>
-          <a:chOff x="0" y="0"/>
-          <a:chExt cx="0" cy="0"/>
-        </a:xfrm>
-      </p:grpSpPr>
-      <p:sp>
-        <p:nvSpPr>
-          <p:cNvPr id="2" name="Title 1"/>
-          <p:cNvSpPr>
-            <a:spLocks noGrp="1"/>
-          </p:cNvSpPr>
-          <p:nvPr>
-            <p:ph type="title"/>
-          </p:nvPr>
-        </p:nvSpPr>
-        <p:spPr/>
-        <p:txBody>
-          <a:bodyPr/>
-          <a:lstStyle/>
-          <a:p>
-            <a:r>
-              <a:rPr lang="en-US" dirty="0" smtClean="0"/>
-              <a:t>Reference guided assembly</a:t>
-            </a:r>
-            <a:endParaRPr lang="en-US" dirty="0"/>
-          </a:p>
-        </p:txBody>
-      </p:sp>
-      <p:pic>
-        <p:nvPicPr>
-          <p:cNvPr id="6" name="Content Placeholder 5"/>
-          <p:cNvPicPr>
-            <a:picLocks noGrp="1" noChangeAspect="1"/>
-          </p:cNvPicPr>
-          <p:nvPr>
-            <p:ph sz="half" idx="2"/>
-          </p:nvPr>
-        </p:nvPicPr>
-        <p:blipFill>
-          <a:blip r:embed="rId2"/>
-          <a:srcRect l="-9322" r="-9322"/>
-          <a:stretch>
-            <a:fillRect/>
-          </a:stretch>
-        </p:blipFill>
-        <p:spPr/>
-      </p:pic>
-      <p:sp>
-        <p:nvSpPr>
-          <p:cNvPr id="7" name="TextBox 6"/>
-          <p:cNvSpPr txBox="1"/>
-          <p:nvPr/>
-        </p:nvSpPr>
-        <p:spPr>
-          <a:xfrm>
-            <a:off x="6075269" y="6481547"/>
-            <a:ext cx="2759890" cy="369332"/>
-          </a:xfrm>
-          <a:prstGeom prst="rect">
-            <a:avLst/>
-          </a:prstGeom>
-          <a:noFill/>
-        </p:spPr>
-        <p:txBody>
-          <a:bodyPr wrap="none" rtlCol="0">
-            <a:spAutoFit/>
-          </a:bodyPr>
-          <a:lstStyle/>
-          <a:p>
-            <a:r>
-              <a:rPr lang="en-US" dirty="0" err="1" smtClean="0"/>
-              <a:t>Schneeberger</a:t>
-            </a:r>
-            <a:r>
-              <a:rPr lang="en-US" dirty="0" smtClean="0"/>
-              <a:t> et al. 2011</a:t>
-            </a:r>
-            <a:endParaRPr lang="en-US" dirty="0"/>
-          </a:p>
-        </p:txBody>
-      </p:sp>
-      <p:pic>
-        <p:nvPicPr>
-          <p:cNvPr id="10" name="Content Placeholder 9"/>
-          <p:cNvPicPr>
-            <a:picLocks noGrp="1" noChangeAspect="1"/>
-          </p:cNvPicPr>
-          <p:nvPr>
-            <p:ph sz="half" idx="1"/>
-          </p:nvPr>
-        </p:nvPicPr>
-        <p:blipFill rotWithShape="1">
-          <a:blip r:embed="rId3"/>
-          <a:srcRect l="23958" t="-1490" b="59726"/>
-          <a:stretch/>
-        </p:blipFill>
-        <p:spPr>
-          <a:xfrm>
-            <a:off x="307886" y="4674572"/>
-            <a:ext cx="4708898" cy="1806975"/>
-          </a:xfrm>
-        </p:spPr>
-      </p:pic>
-      <p:sp>
-        <p:nvSpPr>
-          <p:cNvPr id="11" name="TextBox 10"/>
-          <p:cNvSpPr txBox="1"/>
-          <p:nvPr/>
-        </p:nvSpPr>
-        <p:spPr>
-          <a:xfrm>
-            <a:off x="536823" y="1244696"/>
-            <a:ext cx="3852337" cy="2585323"/>
-          </a:xfrm>
-          <a:prstGeom prst="rect">
-            <a:avLst/>
-          </a:prstGeom>
-          <a:noFill/>
-        </p:spPr>
-        <p:txBody>
-          <a:bodyPr wrap="none" rtlCol="0">
-            <a:spAutoFit/>
-          </a:bodyPr>
-          <a:lstStyle/>
-          <a:p>
-            <a:pPr marL="285750" indent="-285750">
-              <a:buFont typeface="Arial"/>
-              <a:buChar char="•"/>
-            </a:pPr>
-            <a:r>
-              <a:rPr lang="en-US" dirty="0" smtClean="0"/>
-              <a:t>Simple organisms</a:t>
-            </a:r>
-          </a:p>
-          <a:p>
-            <a:pPr marL="742950" lvl="1" indent="-285750">
-              <a:buFont typeface="Arial"/>
-              <a:buChar char="•"/>
-            </a:pPr>
-            <a:r>
-              <a:rPr lang="en-US" dirty="0" smtClean="0"/>
-              <a:t>Align </a:t>
-            </a:r>
-          </a:p>
-          <a:p>
-            <a:pPr marL="742950" lvl="1" indent="-285750">
-              <a:buFont typeface="Arial"/>
-              <a:buChar char="•"/>
-            </a:pPr>
-            <a:r>
-              <a:rPr lang="en-US" dirty="0" smtClean="0"/>
-              <a:t>Call variants</a:t>
-            </a:r>
-          </a:p>
-          <a:p>
-            <a:pPr marL="742950" lvl="1" indent="-285750">
-              <a:buFont typeface="Arial"/>
-              <a:buChar char="•"/>
-            </a:pPr>
-            <a:r>
-              <a:rPr lang="en-US" dirty="0" smtClean="0"/>
-              <a:t>Make consensus</a:t>
-            </a:r>
-          </a:p>
-          <a:p>
-            <a:pPr marL="742950" lvl="1" indent="-285750">
-              <a:buFont typeface="Arial"/>
-              <a:buChar char="•"/>
-            </a:pPr>
-            <a:endParaRPr lang="en-US" dirty="0"/>
-          </a:p>
-          <a:p>
-            <a:pPr marL="285750" indent="-285750">
-              <a:buFont typeface="Arial"/>
-              <a:buChar char="•"/>
-            </a:pPr>
-            <a:r>
-              <a:rPr lang="en-US" dirty="0" smtClean="0"/>
-              <a:t>Complex organisms</a:t>
-            </a:r>
-          </a:p>
-          <a:p>
-            <a:pPr marL="742950" lvl="1" indent="-285750">
-              <a:buFont typeface="Arial"/>
-              <a:buChar char="•"/>
-            </a:pPr>
-            <a:r>
-              <a:rPr lang="en-US" dirty="0" smtClean="0"/>
-              <a:t>Align and call blocks</a:t>
-            </a:r>
-          </a:p>
-          <a:p>
-            <a:pPr marL="742950" lvl="1" indent="-285750">
-              <a:buFont typeface="Arial"/>
-              <a:buChar char="•"/>
-            </a:pPr>
-            <a:r>
-              <a:rPr lang="en-US" dirty="0" smtClean="0"/>
-              <a:t>De novo assemble left-overs</a:t>
-            </a:r>
-          </a:p>
-          <a:p>
-            <a:pPr marL="742950" lvl="1" indent="-285750">
-              <a:buFont typeface="Arial"/>
-              <a:buChar char="•"/>
-            </a:pPr>
-            <a:r>
-              <a:rPr lang="en-US" dirty="0" smtClean="0"/>
-              <a:t>Assemble </a:t>
-            </a:r>
-            <a:r>
-              <a:rPr lang="en-US" dirty="0" err="1" smtClean="0"/>
-              <a:t>contigs</a:t>
-            </a:r>
-            <a:endParaRPr lang="en-US" dirty="0"/>
-          </a:p>
-        </p:txBody>
-      </p:sp>
-      <p:sp>
-        <p:nvSpPr>
-          <p:cNvPr id="12" name="TextBox 11"/>
-          <p:cNvSpPr txBox="1"/>
-          <p:nvPr/>
-        </p:nvSpPr>
-        <p:spPr>
-          <a:xfrm>
-            <a:off x="2766123" y="6466342"/>
-            <a:ext cx="2250661" cy="369332"/>
-          </a:xfrm>
-          <a:prstGeom prst="rect">
-            <a:avLst/>
-          </a:prstGeom>
-          <a:noFill/>
-        </p:spPr>
-        <p:txBody>
-          <a:bodyPr wrap="none" rtlCol="0">
-            <a:spAutoFit/>
-          </a:bodyPr>
-          <a:lstStyle/>
-          <a:p>
-            <a:r>
-              <a:rPr lang="en-US" dirty="0" err="1" smtClean="0"/>
-              <a:t>Ronholm</a:t>
-            </a:r>
-            <a:r>
-              <a:rPr lang="en-US" dirty="0" smtClean="0"/>
-              <a:t> et al. 2016</a:t>
-            </a:r>
-            <a:endParaRPr lang="en-US" dirty="0"/>
-          </a:p>
-        </p:txBody>
-      </p:sp>
-    </p:spTree>
-    <p:extLst>
-      <p:ext uri="{BB962C8B-B14F-4D97-AF65-F5344CB8AC3E}">
-        <p14:creationId xmlns:p14="http://schemas.microsoft.com/office/powerpoint/2010/main" val="68415748"/>
-      </p:ext>
-    </p:extLst>
-  </p:cSld>
-  <p:clrMapOvr>
-    <a:masterClrMapping/>
-  </p:clrMapOvr>
-</p:sld>
-</file>
-
-<file path=ppt/slides/slide5.xml><?xml version="1.0" encoding="utf-8"?>
-<p:sld xmlns:a="http://schemas.openxmlformats.org/drawingml/2006/main" xmlns:r="http://schemas.openxmlformats.org/officeDocument/2006/relationships" xmlns:p="http://schemas.openxmlformats.org/presentationml/2006/main">
-  <p:cSld>
-    <p:spTree>
-      <p:nvGrpSpPr>
-        <p:cNvPr id="1" name=""/>
-        <p:cNvGrpSpPr/>
-        <p:nvPr/>
-      </p:nvGrpSpPr>
-      <p:grpSpPr>
-        <a:xfrm>
-          <a:off x="0" y="0"/>
-          <a:ext cx="0" cy="0"/>
-          <a:chOff x="0" y="0"/>
-          <a:chExt cx="0" cy="0"/>
-        </a:xfrm>
-      </p:grpSpPr>
-      <p:sp>
-        <p:nvSpPr>
-          <p:cNvPr id="5" name="Title 4"/>
-          <p:cNvSpPr>
-            <a:spLocks noGrp="1"/>
-          </p:cNvSpPr>
-          <p:nvPr>
-            <p:ph type="title"/>
-          </p:nvPr>
-        </p:nvSpPr>
-        <p:spPr/>
-        <p:txBody>
-          <a:bodyPr/>
-          <a:lstStyle/>
-          <a:p>
-            <a:r>
-              <a:rPr lang="en-US" dirty="0" smtClean="0"/>
-              <a:t>Small genome assembly</a:t>
-            </a:r>
-            <a:endParaRPr lang="en-US" dirty="0"/>
-          </a:p>
-        </p:txBody>
-      </p:sp>
-      <p:pic>
-        <p:nvPicPr>
-          <p:cNvPr id="7" name="Content Placeholder 6"/>
-          <p:cNvPicPr>
-            <a:picLocks noGrp="1" noChangeAspect="1"/>
-          </p:cNvPicPr>
-          <p:nvPr>
-            <p:ph idx="1"/>
-          </p:nvPr>
-        </p:nvPicPr>
-        <p:blipFill>
-          <a:blip r:embed="rId2"/>
-          <a:srcRect l="-7882" r="-7882"/>
-          <a:stretch>
-            <a:fillRect/>
-          </a:stretch>
-        </p:blipFill>
-        <p:spPr/>
-      </p:pic>
-      <p:sp>
-        <p:nvSpPr>
-          <p:cNvPr id="8" name="TextBox 7"/>
-          <p:cNvSpPr txBox="1"/>
-          <p:nvPr/>
-        </p:nvSpPr>
-        <p:spPr>
-          <a:xfrm>
-            <a:off x="5150890" y="6138403"/>
-            <a:ext cx="3610859" cy="369332"/>
-          </a:xfrm>
-          <a:prstGeom prst="rect">
-            <a:avLst/>
-          </a:prstGeom>
-          <a:noFill/>
-        </p:spPr>
-        <p:txBody>
-          <a:bodyPr wrap="none" rtlCol="0">
-            <a:spAutoFit/>
-          </a:bodyPr>
-          <a:lstStyle/>
-          <a:p>
-            <a:r>
-              <a:rPr lang="en-US" dirty="0" smtClean="0"/>
-              <a:t>Dominguez Del Angel. et al. 2018</a:t>
-            </a:r>
-            <a:endParaRPr lang="en-US" dirty="0"/>
-          </a:p>
-        </p:txBody>
-      </p:sp>
-    </p:spTree>
-    <p:extLst>
-      <p:ext uri="{BB962C8B-B14F-4D97-AF65-F5344CB8AC3E}">
-        <p14:creationId xmlns:p14="http://schemas.microsoft.com/office/powerpoint/2010/main" val="1770791270"/>
-      </p:ext>
-    </p:extLst>
-  </p:cSld>
-  <p:clrMapOvr>
-    <a:masterClrMapping/>
-  </p:clrMapOvr>
-</p:sld>
-</file>
-
-<file path=ppt/slides/slide6.xml><?xml version="1.0" encoding="utf-8"?>
-<p:sld xmlns:a="http://schemas.openxmlformats.org/drawingml/2006/main" xmlns:r="http://schemas.openxmlformats.org/officeDocument/2006/relationships" xmlns:p="http://schemas.openxmlformats.org/presentationml/2006/main">
-  <p:cSld>
-    <p:spTree>
-      <p:nvGrpSpPr>
-        <p:cNvPr id="1" name=""/>
-        <p:cNvGrpSpPr/>
-        <p:nvPr/>
-      </p:nvGrpSpPr>
-      <p:grpSpPr>
-        <a:xfrm>
-          <a:off x="0" y="0"/>
-          <a:ext cx="0" cy="0"/>
-          <a:chOff x="0" y="0"/>
-          <a:chExt cx="0" cy="0"/>
-        </a:xfrm>
-      </p:grpSpPr>
-      <p:sp>
-        <p:nvSpPr>
-          <p:cNvPr id="5" name="Title 4"/>
-          <p:cNvSpPr>
-            <a:spLocks noGrp="1"/>
-          </p:cNvSpPr>
-          <p:nvPr>
-            <p:ph type="title"/>
-          </p:nvPr>
-        </p:nvSpPr>
-        <p:spPr/>
-        <p:txBody>
-          <a:bodyPr/>
-          <a:lstStyle/>
-          <a:p>
-            <a:r>
-              <a:rPr lang="en-US" dirty="0" smtClean="0"/>
-              <a:t>Small genome assembly</a:t>
-            </a:r>
-            <a:endParaRPr lang="en-US" dirty="0"/>
-          </a:p>
-        </p:txBody>
-      </p:sp>
-      <p:sp>
-        <p:nvSpPr>
-          <p:cNvPr id="6" name="Content Placeholder 5"/>
-          <p:cNvSpPr>
-            <a:spLocks noGrp="1"/>
-          </p:cNvSpPr>
-          <p:nvPr>
-            <p:ph idx="1"/>
-          </p:nvPr>
-        </p:nvSpPr>
-        <p:spPr/>
-        <p:txBody>
-          <a:bodyPr/>
-          <a:lstStyle/>
-          <a:p>
-            <a:r>
-              <a:rPr lang="en-US" dirty="0" smtClean="0"/>
-              <a:t>Additional steps:</a:t>
-            </a:r>
-          </a:p>
-          <a:p>
-            <a:endParaRPr lang="en-US" dirty="0" smtClean="0"/>
-          </a:p>
-          <a:p>
-            <a:pPr lvl="1"/>
-            <a:r>
-              <a:rPr lang="en-US" dirty="0" smtClean="0"/>
-              <a:t>Circular assemblies have an overlap at the end</a:t>
-            </a:r>
-          </a:p>
-          <a:p>
-            <a:pPr lvl="1"/>
-            <a:endParaRPr lang="en-US" dirty="0"/>
-          </a:p>
-          <a:p>
-            <a:pPr lvl="1"/>
-            <a:endParaRPr lang="en-US" dirty="0" smtClean="0"/>
-          </a:p>
-          <a:p>
-            <a:pPr lvl="1"/>
-            <a:endParaRPr lang="en-US" dirty="0"/>
-          </a:p>
-          <a:p>
-            <a:pPr lvl="1"/>
-            <a:r>
-              <a:rPr lang="en-US" dirty="0" smtClean="0"/>
-              <a:t>Conventional to start at origin of replication</a:t>
-            </a:r>
-          </a:p>
-          <a:p>
-            <a:pPr lvl="2"/>
-            <a:r>
-              <a:rPr lang="en-US" dirty="0"/>
-              <a:t> </a:t>
-            </a:r>
-            <a:r>
-              <a:rPr lang="en-US" dirty="0" smtClean="0"/>
-              <a:t>e.g. between </a:t>
-            </a:r>
-            <a:r>
-              <a:rPr lang="en-US" dirty="0"/>
-              <a:t>the genes `</a:t>
-            </a:r>
-            <a:r>
-              <a:rPr lang="en-US" dirty="0" err="1"/>
-              <a:t>rpmH</a:t>
-            </a:r>
-            <a:r>
-              <a:rPr lang="en-US" dirty="0"/>
-              <a:t>` and `</a:t>
-            </a:r>
-            <a:r>
-              <a:rPr lang="en-US" dirty="0" err="1"/>
-              <a:t>dnaA</a:t>
-            </a:r>
-            <a:r>
-              <a:rPr lang="en-US" dirty="0" smtClean="0"/>
-              <a:t>`.</a:t>
-            </a:r>
-          </a:p>
-          <a:p>
-            <a:pPr lvl="2"/>
-            <a:endParaRPr lang="en-US" dirty="0"/>
-          </a:p>
-          <a:p>
-            <a:pPr lvl="2"/>
-            <a:endParaRPr lang="en-US" dirty="0" smtClean="0"/>
-          </a:p>
-          <a:p>
-            <a:pPr lvl="1"/>
-            <a:r>
-              <a:rPr lang="en-US" dirty="0" smtClean="0"/>
-              <a:t>Merge the assembly again at the overlap.</a:t>
-            </a:r>
-            <a:endParaRPr lang="en-US" dirty="0"/>
-          </a:p>
-        </p:txBody>
-      </p:sp>
-      <p:sp>
-        <p:nvSpPr>
-          <p:cNvPr id="7" name="Rectangle 6"/>
-          <p:cNvSpPr/>
-          <p:nvPr/>
-        </p:nvSpPr>
-        <p:spPr>
-          <a:xfrm>
-            <a:off x="1165299" y="2527148"/>
-            <a:ext cx="5027809" cy="144035"/>
-          </a:xfrm>
-          <a:prstGeom prst="rect">
-            <a:avLst/>
-          </a:prstGeom>
-        </p:spPr>
-        <p:style>
-          <a:lnRef idx="1">
-            <a:schemeClr val="accent1"/>
-          </a:lnRef>
-          <a:fillRef idx="3">
-            <a:schemeClr val="accent1"/>
-          </a:fillRef>
-          <a:effectRef idx="2">
-            <a:schemeClr val="accent1"/>
-          </a:effectRef>
-          <a:fontRef idx="minor">
-            <a:schemeClr val="lt1"/>
-          </a:fontRef>
-        </p:style>
-        <p:txBody>
-          <a:bodyPr rtlCol="0" anchor="ctr"/>
-          <a:lstStyle/>
-          <a:p>
-            <a:pPr algn="ctr"/>
-            <a:endParaRPr lang="en-US"/>
-          </a:p>
-        </p:txBody>
-      </p:sp>
-      <p:sp>
-        <p:nvSpPr>
-          <p:cNvPr id="8" name="Rectangle 7"/>
-          <p:cNvSpPr/>
-          <p:nvPr/>
-        </p:nvSpPr>
-        <p:spPr>
-          <a:xfrm>
-            <a:off x="6193108" y="2527148"/>
-            <a:ext cx="1374792" cy="144035"/>
-          </a:xfrm>
-          <a:prstGeom prst="rect">
-            <a:avLst/>
-          </a:prstGeom>
-          <a:solidFill>
-            <a:schemeClr val="accent2"/>
-          </a:solidFill>
-        </p:spPr>
-        <p:style>
-          <a:lnRef idx="1">
-            <a:schemeClr val="accent1"/>
-          </a:lnRef>
-          <a:fillRef idx="3">
-            <a:schemeClr val="accent1"/>
-          </a:fillRef>
-          <a:effectRef idx="2">
-            <a:schemeClr val="accent1"/>
-          </a:effectRef>
-          <a:fontRef idx="minor">
-            <a:schemeClr val="lt1"/>
-          </a:fontRef>
-        </p:style>
-        <p:txBody>
-          <a:bodyPr rtlCol="0" anchor="ctr"/>
-          <a:lstStyle/>
-          <a:p>
-            <a:pPr algn="ctr"/>
-            <a:endParaRPr lang="en-US"/>
-          </a:p>
-        </p:txBody>
-      </p:sp>
-      <p:sp>
-        <p:nvSpPr>
-          <p:cNvPr id="9" name="Rectangle 8"/>
-          <p:cNvSpPr/>
-          <p:nvPr/>
-        </p:nvSpPr>
-        <p:spPr>
-          <a:xfrm>
-            <a:off x="1165299" y="2751565"/>
-            <a:ext cx="1374792" cy="144035"/>
-          </a:xfrm>
-          <a:prstGeom prst="rect">
-            <a:avLst/>
-          </a:prstGeom>
-          <a:solidFill>
-            <a:schemeClr val="accent2"/>
-          </a:solidFill>
-        </p:spPr>
-        <p:style>
-          <a:lnRef idx="1">
-            <a:schemeClr val="accent1"/>
-          </a:lnRef>
-          <a:fillRef idx="3">
-            <a:schemeClr val="accent1"/>
-          </a:fillRef>
-          <a:effectRef idx="2">
-            <a:schemeClr val="accent1"/>
-          </a:effectRef>
-          <a:fontRef idx="minor">
-            <a:schemeClr val="lt1"/>
-          </a:fontRef>
-        </p:style>
-        <p:txBody>
-          <a:bodyPr rtlCol="0" anchor="ctr"/>
-          <a:lstStyle/>
-          <a:p>
-            <a:pPr algn="ctr"/>
-            <a:endParaRPr lang="en-US"/>
-          </a:p>
-        </p:txBody>
-      </p:sp>
-      <p:sp>
-        <p:nvSpPr>
-          <p:cNvPr id="10" name="Rectangle 9"/>
-          <p:cNvSpPr/>
-          <p:nvPr/>
-        </p:nvSpPr>
-        <p:spPr>
-          <a:xfrm>
-            <a:off x="1173676" y="4447238"/>
-            <a:ext cx="5027809" cy="144035"/>
-          </a:xfrm>
-          <a:prstGeom prst="rect">
-            <a:avLst/>
-          </a:prstGeom>
-        </p:spPr>
-        <p:style>
-          <a:lnRef idx="1">
-            <a:schemeClr val="accent1"/>
-          </a:lnRef>
-          <a:fillRef idx="3">
-            <a:schemeClr val="accent1"/>
-          </a:fillRef>
-          <a:effectRef idx="2">
-            <a:schemeClr val="accent1"/>
-          </a:effectRef>
-          <a:fontRef idx="minor">
-            <a:schemeClr val="lt1"/>
-          </a:fontRef>
-        </p:style>
-        <p:txBody>
-          <a:bodyPr rtlCol="0" anchor="ctr"/>
-          <a:lstStyle/>
-          <a:p>
-            <a:pPr algn="ctr"/>
-            <a:endParaRPr lang="en-US"/>
-          </a:p>
-        </p:txBody>
-      </p:sp>
-      <p:sp>
-        <p:nvSpPr>
-          <p:cNvPr id="11" name="Rectangle 10"/>
-          <p:cNvSpPr/>
-          <p:nvPr/>
-        </p:nvSpPr>
-        <p:spPr>
-          <a:xfrm>
-            <a:off x="6201485" y="4447238"/>
-            <a:ext cx="1374792" cy="144035"/>
-          </a:xfrm>
-          <a:prstGeom prst="rect">
-            <a:avLst/>
-          </a:prstGeom>
-          <a:solidFill>
-            <a:schemeClr val="accent2"/>
-          </a:solidFill>
-        </p:spPr>
-        <p:style>
-          <a:lnRef idx="1">
-            <a:schemeClr val="accent1"/>
-          </a:lnRef>
-          <a:fillRef idx="3">
-            <a:schemeClr val="accent1"/>
-          </a:fillRef>
-          <a:effectRef idx="2">
-            <a:schemeClr val="accent1"/>
-          </a:effectRef>
-          <a:fontRef idx="minor">
-            <a:schemeClr val="lt1"/>
-          </a:fontRef>
-        </p:style>
-        <p:txBody>
-          <a:bodyPr rtlCol="0" anchor="ctr"/>
-          <a:lstStyle/>
-          <a:p>
-            <a:pPr algn="ctr"/>
-            <a:endParaRPr lang="en-US"/>
-          </a:p>
-        </p:txBody>
-      </p:sp>
-      <p:cxnSp>
-        <p:nvCxnSpPr>
-          <p:cNvPr id="13" name="Straight Connector 12"/>
-          <p:cNvCxnSpPr/>
-          <p:nvPr/>
-        </p:nvCxnSpPr>
-        <p:spPr>
-          <a:xfrm>
-            <a:off x="4255307" y="4447238"/>
-            <a:ext cx="0" cy="144035"/>
-          </a:xfrm>
-          <a:prstGeom prst="line">
-            <a:avLst/>
-          </a:prstGeom>
-          <a:ln>
-            <a:solidFill>
-              <a:srgbClr val="FF0000"/>
-            </a:solidFill>
-          </a:ln>
-        </p:spPr>
-        <p:style>
-          <a:lnRef idx="2">
-            <a:schemeClr val="accent1"/>
-          </a:lnRef>
-          <a:fillRef idx="0">
-            <a:schemeClr val="accent1"/>
-          </a:fillRef>
-          <a:effectRef idx="1">
-            <a:schemeClr val="accent1"/>
-          </a:effectRef>
-          <a:fontRef idx="minor">
-            <a:schemeClr val="tx1"/>
-          </a:fontRef>
-        </p:style>
-      </p:cxnSp>
-      <p:sp>
-        <p:nvSpPr>
-          <p:cNvPr id="17" name="Rectangle 16"/>
-          <p:cNvSpPr/>
-          <p:nvPr/>
-        </p:nvSpPr>
-        <p:spPr>
-          <a:xfrm>
-            <a:off x="1226108" y="5778098"/>
-            <a:ext cx="5027809" cy="144035"/>
-          </a:xfrm>
-          <a:prstGeom prst="rect">
-            <a:avLst/>
-          </a:prstGeom>
-        </p:spPr>
-        <p:style>
-          <a:lnRef idx="1">
-            <a:schemeClr val="accent1"/>
-          </a:lnRef>
-          <a:fillRef idx="3">
-            <a:schemeClr val="accent1"/>
-          </a:fillRef>
-          <a:effectRef idx="2">
-            <a:schemeClr val="accent1"/>
-          </a:effectRef>
-          <a:fontRef idx="minor">
-            <a:schemeClr val="lt1"/>
-          </a:fontRef>
-        </p:style>
-        <p:txBody>
-          <a:bodyPr rtlCol="0" anchor="ctr"/>
-          <a:lstStyle/>
-          <a:p>
-            <a:pPr algn="ctr"/>
-            <a:endParaRPr lang="en-US"/>
-          </a:p>
-        </p:txBody>
-      </p:sp>
-      <p:sp>
-        <p:nvSpPr>
-          <p:cNvPr id="18" name="Rectangle 17"/>
-          <p:cNvSpPr/>
-          <p:nvPr/>
-        </p:nvSpPr>
-        <p:spPr>
-          <a:xfrm>
-            <a:off x="3172286" y="5778098"/>
-            <a:ext cx="1374792" cy="144035"/>
-          </a:xfrm>
-          <a:prstGeom prst="rect">
-            <a:avLst/>
-          </a:prstGeom>
-          <a:solidFill>
-            <a:schemeClr val="accent2"/>
-          </a:solidFill>
-        </p:spPr>
-        <p:style>
-          <a:lnRef idx="1">
-            <a:schemeClr val="accent1"/>
-          </a:lnRef>
-          <a:fillRef idx="3">
-            <a:schemeClr val="accent1"/>
-          </a:fillRef>
-          <a:effectRef idx="2">
-            <a:schemeClr val="accent1"/>
-          </a:effectRef>
-          <a:fontRef idx="minor">
-            <a:schemeClr val="lt1"/>
-          </a:fontRef>
-        </p:style>
-        <p:txBody>
-          <a:bodyPr rtlCol="0" anchor="ctr"/>
-          <a:lstStyle/>
-          <a:p>
-            <a:pPr algn="ctr"/>
-            <a:endParaRPr lang="en-US"/>
-          </a:p>
-        </p:txBody>
-      </p:sp>
-      <p:cxnSp>
-        <p:nvCxnSpPr>
-          <p:cNvPr id="19" name="Straight Connector 18"/>
-          <p:cNvCxnSpPr/>
-          <p:nvPr/>
-        </p:nvCxnSpPr>
-        <p:spPr>
-          <a:xfrm>
-            <a:off x="1226108" y="5778098"/>
-            <a:ext cx="0" cy="144035"/>
-          </a:xfrm>
-          <a:prstGeom prst="line">
-            <a:avLst/>
-          </a:prstGeom>
-          <a:ln>
-            <a:solidFill>
-              <a:srgbClr val="FF0000"/>
-            </a:solidFill>
-          </a:ln>
-        </p:spPr>
-        <p:style>
-          <a:lnRef idx="2">
-            <a:schemeClr val="accent1"/>
-          </a:lnRef>
-          <a:fillRef idx="0">
-            <a:schemeClr val="accent1"/>
-          </a:fillRef>
-          <a:effectRef idx="1">
-            <a:schemeClr val="accent1"/>
-          </a:effectRef>
-          <a:fontRef idx="minor">
-            <a:schemeClr val="tx1"/>
-          </a:fontRef>
-        </p:style>
-      </p:cxnSp>
-    </p:spTree>
-    <p:extLst>
-      <p:ext uri="{BB962C8B-B14F-4D97-AF65-F5344CB8AC3E}">
-        <p14:creationId xmlns:p14="http://schemas.microsoft.com/office/powerpoint/2010/main" val="498433911"/>
-      </p:ext>
-    </p:extLst>
-  </p:cSld>
-  <p:clrMapOvr>
-    <a:masterClrMapping/>
-  </p:clrMapOvr>
-</p:sld>
-</file>
-
-<file path=ppt/slides/slide7.xml><?xml version="1.0" encoding="utf-8"?>
 <p:sld xmlns:a="http://schemas.openxmlformats.org/drawingml/2006/main" xmlns:r="http://schemas.openxmlformats.org/officeDocument/2006/relationships" xmlns:p="http://schemas.openxmlformats.org/presentationml/2006/main">
   <p:cSld>
     <p:spTree>

--- a/slides/Small_Genome_Assembly.pptx
+++ b/slides/Small_Genome_Assembly.pptx
@@ -14,6 +14,7 @@
   <p:sldIdLst>
     <p:sldId id="338" r:id="rId9"/>
     <p:sldId id="341" r:id="rId10"/>
+    <p:sldId id="342" r:id="rId11"/>
   </p:sldIdLst>
   <p:sldSz cx="9144000" cy="6858000" type="screen4x3"/>
   <p:notesSz cx="6858000" cy="9144000"/>
@@ -10399,7 +10400,11 @@
             <a:pPr algn="ctr"/>
             <a:r>
               <a:rPr lang="en-US" sz="4400" dirty="0" smtClean="0"/>
-              <a:t>Small Genome Assembly</a:t>
+              <a:t>Genome </a:t>
+            </a:r>
+            <a:r>
+              <a:rPr lang="en-US" sz="4400" dirty="0" smtClean="0"/>
+              <a:t>Assembly</a:t>
             </a:r>
             <a:endParaRPr lang="en-US" sz="4400" dirty="0"/>
           </a:p>
@@ -10548,8 +10553,96 @@
           <a:lstStyle/>
           <a:p>
             <a:r>
+              <a:rPr lang="en-US" dirty="0"/>
+              <a:t>G</a:t>
+            </a:r>
+            <a:r>
               <a:rPr lang="en-US" dirty="0" smtClean="0"/>
-              <a:t>Small genome assembly</a:t>
+              <a:t>enome </a:t>
+            </a:r>
+            <a:r>
+              <a:rPr lang="en-US" dirty="0" smtClean="0"/>
+              <a:t>assembly</a:t>
+            </a:r>
+            <a:endParaRPr lang="en-US" dirty="0"/>
+          </a:p>
+        </p:txBody>
+      </p:sp>
+      <p:pic>
+        <p:nvPicPr>
+          <p:cNvPr id="3" name="Content Placeholder 2"/>
+          <p:cNvPicPr>
+            <a:picLocks noGrp="1" noChangeAspect="1"/>
+          </p:cNvPicPr>
+          <p:nvPr>
+            <p:ph idx="1"/>
+          </p:nvPr>
+        </p:nvPicPr>
+        <p:blipFill>
+          <a:blip r:embed="rId2"/>
+          <a:srcRect t="-30577" b="-30577"/>
+          <a:stretch>
+            <a:fillRect/>
+          </a:stretch>
+        </p:blipFill>
+        <p:spPr/>
+      </p:pic>
+    </p:spTree>
+    <p:extLst>
+      <p:ext uri="{BB962C8B-B14F-4D97-AF65-F5344CB8AC3E}">
+        <p14:creationId xmlns:p14="http://schemas.microsoft.com/office/powerpoint/2010/main" val="610373821"/>
+      </p:ext>
+    </p:extLst>
+  </p:cSld>
+  <p:clrMapOvr>
+    <a:masterClrMapping/>
+  </p:clrMapOvr>
+</p:sld>
+</file>
+
+<file path=ppt/slides/slide3.xml><?xml version="1.0" encoding="utf-8"?>
+<p:sld xmlns:a="http://schemas.openxmlformats.org/drawingml/2006/main" xmlns:r="http://schemas.openxmlformats.org/officeDocument/2006/relationships" xmlns:p="http://schemas.openxmlformats.org/presentationml/2006/main">
+  <p:cSld>
+    <p:spTree>
+      <p:nvGrpSpPr>
+        <p:cNvPr id="1" name=""/>
+        <p:cNvGrpSpPr/>
+        <p:nvPr/>
+      </p:nvGrpSpPr>
+      <p:grpSpPr>
+        <a:xfrm>
+          <a:off x="0" y="0"/>
+          <a:ext cx="0" cy="0"/>
+          <a:chOff x="0" y="0"/>
+          <a:chExt cx="0" cy="0"/>
+        </a:xfrm>
+      </p:grpSpPr>
+      <p:sp>
+        <p:nvSpPr>
+          <p:cNvPr id="5" name="Title 4"/>
+          <p:cNvSpPr>
+            <a:spLocks noGrp="1"/>
+          </p:cNvSpPr>
+          <p:nvPr>
+            <p:ph type="title"/>
+          </p:nvPr>
+        </p:nvSpPr>
+        <p:spPr/>
+        <p:txBody>
+          <a:bodyPr/>
+          <a:lstStyle/>
+          <a:p>
+            <a:r>
+              <a:rPr lang="en-US" dirty="0"/>
+              <a:t>G</a:t>
+            </a:r>
+            <a:r>
+              <a:rPr lang="en-US" dirty="0" smtClean="0"/>
+              <a:t>enome </a:t>
+            </a:r>
+            <a:r>
+              <a:rPr lang="en-US" dirty="0" smtClean="0"/>
+              <a:t>assembly</a:t>
             </a:r>
             <a:endParaRPr lang="en-US" dirty="0"/>
           </a:p>
@@ -10880,7 +10973,7 @@
     </p:spTree>
     <p:extLst>
       <p:ext uri="{BB962C8B-B14F-4D97-AF65-F5344CB8AC3E}">
-        <p14:creationId xmlns:p14="http://schemas.microsoft.com/office/powerpoint/2010/main" val="610373821"/>
+        <p14:creationId xmlns:p14="http://schemas.microsoft.com/office/powerpoint/2010/main" val="4093853000"/>
       </p:ext>
     </p:extLst>
   </p:cSld>

--- a/slides/Small_Genome_Assembly.pptx
+++ b/slides/Small_Genome_Assembly.pptx
@@ -10959,13 +10959,6 @@
           </a:p>
           <a:p>
             <a:pPr lvl="1"/>
-            <a:endParaRPr lang="en-US" dirty="0"/>
-          </a:p>
-          <a:p>
-            <a:r>
-              <a:rPr lang="en-US" dirty="0" smtClean="0"/>
-              <a:t>Ref guided</a:t>
-            </a:r>
             <a:endParaRPr lang="en-US" dirty="0"/>
           </a:p>
         </p:txBody>

--- a/slides/Small_Genome_Assembly.pptx
+++ b/slides/Small_Genome_Assembly.pptx
@@ -10685,6 +10685,14 @@
             <a:pPr lvl="1"/>
             <a:r>
               <a:rPr lang="en-US" dirty="0" smtClean="0"/>
+              <a:t>Summarize</a:t>
+            </a:r>
+            <a:endParaRPr lang="en-US" dirty="0" smtClean="0"/>
+          </a:p>
+          <a:p>
+            <a:pPr lvl="1"/>
+            <a:r>
+              <a:rPr lang="en-US" dirty="0" smtClean="0"/>
               <a:t>Assemble</a:t>
             </a:r>
           </a:p>
@@ -10697,12 +10705,33 @@
           </a:p>
           <a:p>
             <a:pPr lvl="1"/>
+            <a:r>
+              <a:rPr lang="en-US" dirty="0" smtClean="0"/>
+              <a:t>Evaluate</a:t>
+            </a:r>
+            <a:endParaRPr lang="en-US" dirty="0" smtClean="0"/>
+          </a:p>
+          <a:p>
+            <a:pPr lvl="1"/>
             <a:endParaRPr lang="en-US" dirty="0"/>
           </a:p>
           <a:p>
             <a:r>
               <a:rPr lang="en-US" dirty="0" smtClean="0"/>
-              <a:t>Evaluate unpolished</a:t>
+              <a:t>Evaluate </a:t>
+            </a:r>
+            <a:r>
+              <a:rPr lang="en-US" dirty="0" smtClean="0"/>
+              <a:t>unpolished</a:t>
+            </a:r>
+          </a:p>
+          <a:p>
+            <a:endParaRPr lang="en-US" dirty="0"/>
+          </a:p>
+          <a:p>
+            <a:r>
+              <a:rPr lang="en-US" dirty="0" smtClean="0"/>
+              <a:t>Hybrid assembly</a:t>
             </a:r>
             <a:endParaRPr lang="en-US" dirty="0"/>
           </a:p>
@@ -10720,7 +10749,7 @@
         </p:nvSpPr>
         <p:spPr>
           <a:xfrm>
-            <a:off x="3038443" y="1231602"/>
+            <a:off x="3050728" y="1231602"/>
             <a:ext cx="2860093" cy="4894561"/>
           </a:xfrm>
         </p:spPr>
@@ -10748,6 +10777,14 @@
             <a:pPr lvl="1"/>
             <a:r>
               <a:rPr lang="en-US" dirty="0" smtClean="0"/>
+              <a:t>Summarize</a:t>
+            </a:r>
+            <a:endParaRPr lang="en-US" dirty="0" smtClean="0"/>
+          </a:p>
+          <a:p>
+            <a:pPr lvl="1"/>
+            <a:r>
+              <a:rPr lang="en-US" dirty="0" smtClean="0"/>
               <a:t>Assemble</a:t>
             </a:r>
           </a:p>
@@ -10760,12 +10797,32 @@
           </a:p>
           <a:p>
             <a:pPr lvl="1"/>
+            <a:r>
+              <a:rPr lang="en-US" dirty="0" smtClean="0"/>
+              <a:t>Evaluate</a:t>
+            </a:r>
+          </a:p>
+          <a:p>
+            <a:pPr lvl="1"/>
             <a:endParaRPr lang="en-US" dirty="0"/>
           </a:p>
           <a:p>
             <a:r>
               <a:rPr lang="en-US" dirty="0" smtClean="0"/>
-              <a:t>Evaluate polished</a:t>
+              <a:t>Evaluate </a:t>
+            </a:r>
+            <a:r>
+              <a:rPr lang="en-US" dirty="0" smtClean="0"/>
+              <a:t>polished</a:t>
+            </a:r>
+          </a:p>
+          <a:p>
+            <a:endParaRPr lang="en-US" dirty="0"/>
+          </a:p>
+          <a:p>
+            <a:r>
+              <a:rPr lang="en-US" dirty="0" smtClean="0"/>
+              <a:t>Parameter exploration</a:t>
             </a:r>
             <a:endParaRPr lang="en-US" dirty="0"/>
           </a:p>
@@ -10947,6 +11004,14 @@
             <a:pPr lvl="1"/>
             <a:r>
               <a:rPr lang="en-US" dirty="0" smtClean="0"/>
+              <a:t>Summarize</a:t>
+            </a:r>
+            <a:endParaRPr lang="en-US" dirty="0" smtClean="0"/>
+          </a:p>
+          <a:p>
+            <a:pPr lvl="1"/>
+            <a:r>
+              <a:rPr lang="en-US" dirty="0" smtClean="0"/>
               <a:t>Assemble</a:t>
             </a:r>
           </a:p>
@@ -10959,6 +11024,29 @@
           </a:p>
           <a:p>
             <a:pPr lvl="1"/>
+            <a:r>
+              <a:rPr lang="en-US" dirty="0" smtClean="0"/>
+              <a:t>Evaluate</a:t>
+            </a:r>
+          </a:p>
+          <a:p>
+            <a:pPr lvl="1"/>
+            <a:endParaRPr lang="en-US" dirty="0"/>
+          </a:p>
+          <a:p>
+            <a:r>
+              <a:rPr lang="en-US" dirty="0" smtClean="0"/>
+              <a:t>Evaluate coverage</a:t>
+            </a:r>
+          </a:p>
+          <a:p>
+            <a:endParaRPr lang="en-US" dirty="0"/>
+          </a:p>
+          <a:p>
+            <a:r>
+              <a:rPr lang="en-US" dirty="0" smtClean="0"/>
+              <a:t>Strategy choice</a:t>
+            </a:r>
             <a:endParaRPr lang="en-US" dirty="0"/>
           </a:p>
         </p:txBody>

--- a/slides/Small_Genome_Assembly.pptx
+++ b/slides/Small_Genome_Assembly.pptx
@@ -13,8 +13,7 @@
   </p:sldMasterIdLst>
   <p:sldIdLst>
     <p:sldId id="338" r:id="rId9"/>
-    <p:sldId id="341" r:id="rId10"/>
-    <p:sldId id="342" r:id="rId11"/>
+    <p:sldId id="342" r:id="rId10"/>
   </p:sldIdLst>
   <p:sldSz cx="9144000" cy="6858000" type="screen4x3"/>
   <p:notesSz cx="6858000" cy="9144000"/>
@@ -10521,86 +10520,6 @@
 </file>
 
 <file path=ppt/slides/slide2.xml><?xml version="1.0" encoding="utf-8"?>
-<p:sld xmlns:a="http://schemas.openxmlformats.org/drawingml/2006/main" xmlns:r="http://schemas.openxmlformats.org/officeDocument/2006/relationships" xmlns:p="http://schemas.openxmlformats.org/presentationml/2006/main">
-  <p:cSld>
-    <p:spTree>
-      <p:nvGrpSpPr>
-        <p:cNvPr id="1" name=""/>
-        <p:cNvGrpSpPr/>
-        <p:nvPr/>
-      </p:nvGrpSpPr>
-      <p:grpSpPr>
-        <a:xfrm>
-          <a:off x="0" y="0"/>
-          <a:ext cx="0" cy="0"/>
-          <a:chOff x="0" y="0"/>
-          <a:chExt cx="0" cy="0"/>
-        </a:xfrm>
-      </p:grpSpPr>
-      <p:sp>
-        <p:nvSpPr>
-          <p:cNvPr id="5" name="Title 4"/>
-          <p:cNvSpPr>
-            <a:spLocks noGrp="1"/>
-          </p:cNvSpPr>
-          <p:nvPr>
-            <p:ph type="title"/>
-          </p:nvPr>
-        </p:nvSpPr>
-        <p:spPr/>
-        <p:txBody>
-          <a:bodyPr/>
-          <a:lstStyle/>
-          <a:p>
-            <a:r>
-              <a:rPr lang="en-US" dirty="0"/>
-              <a:t>G</a:t>
-            </a:r>
-            <a:r>
-              <a:rPr lang="en-US" dirty="0" smtClean="0"/>
-              <a:t>enome </a:t>
-            </a:r>
-            <a:r>
-              <a:rPr lang="en-US" dirty="0" smtClean="0"/>
-              <a:t>assembly</a:t>
-            </a:r>
-            <a:endParaRPr lang="en-US" dirty="0"/>
-          </a:p>
-        </p:txBody>
-      </p:sp>
-      <p:pic>
-        <p:nvPicPr>
-          <p:cNvPr id="3" name="Content Placeholder 2"/>
-          <p:cNvPicPr>
-            <a:picLocks noGrp="1" noChangeAspect="1"/>
-          </p:cNvPicPr>
-          <p:nvPr>
-            <p:ph idx="1"/>
-          </p:nvPr>
-        </p:nvPicPr>
-        <p:blipFill>
-          <a:blip r:embed="rId2"/>
-          <a:srcRect t="-30577" b="-30577"/>
-          <a:stretch>
-            <a:fillRect/>
-          </a:stretch>
-        </p:blipFill>
-        <p:spPr/>
-      </p:pic>
-    </p:spTree>
-    <p:extLst>
-      <p:ext uri="{BB962C8B-B14F-4D97-AF65-F5344CB8AC3E}">
-        <p14:creationId xmlns:p14="http://schemas.microsoft.com/office/powerpoint/2010/main" val="610373821"/>
-      </p:ext>
-    </p:extLst>
-  </p:cSld>
-  <p:clrMapOvr>
-    <a:masterClrMapping/>
-  </p:clrMapOvr>
-</p:sld>
-</file>
-
-<file path=ppt/slides/slide3.xml><?xml version="1.0" encoding="utf-8"?>
 <p:sld xmlns:a="http://schemas.openxmlformats.org/drawingml/2006/main" xmlns:r="http://schemas.openxmlformats.org/officeDocument/2006/relationships" xmlns:p="http://schemas.openxmlformats.org/presentationml/2006/main">
   <p:cSld>
     <p:spTree>

--- a/slides/Small_Genome_Assembly.pptx
+++ b/slides/Small_Genome_Assembly.pptx
@@ -14,6 +14,7 @@
   <p:sldIdLst>
     <p:sldId id="338" r:id="rId9"/>
     <p:sldId id="342" r:id="rId10"/>
+    <p:sldId id="343" r:id="rId11"/>
   </p:sldIdLst>
   <p:sldSz cx="9144000" cy="6858000" type="screen4x3"/>
   <p:notesSz cx="6858000" cy="9144000"/>
@@ -10974,6 +10975,283 @@
     <p:extLst>
       <p:ext uri="{BB962C8B-B14F-4D97-AF65-F5344CB8AC3E}">
         <p14:creationId xmlns:p14="http://schemas.microsoft.com/office/powerpoint/2010/main" val="4093853000"/>
+      </p:ext>
+    </p:extLst>
+  </p:cSld>
+  <p:clrMapOvr>
+    <a:masterClrMapping/>
+  </p:clrMapOvr>
+</p:sld>
+</file>
+
+<file path=ppt/slides/slide3.xml><?xml version="1.0" encoding="utf-8"?>
+<p:sld xmlns:a="http://schemas.openxmlformats.org/drawingml/2006/main" xmlns:r="http://schemas.openxmlformats.org/officeDocument/2006/relationships" xmlns:p="http://schemas.openxmlformats.org/presentationml/2006/main">
+  <p:cSld>
+    <p:spTree>
+      <p:nvGrpSpPr>
+        <p:cNvPr id="1" name=""/>
+        <p:cNvGrpSpPr/>
+        <p:nvPr/>
+      </p:nvGrpSpPr>
+      <p:grpSpPr>
+        <a:xfrm>
+          <a:off x="0" y="0"/>
+          <a:ext cx="0" cy="0"/>
+          <a:chOff x="0" y="0"/>
+          <a:chExt cx="0" cy="0"/>
+        </a:xfrm>
+      </p:grpSpPr>
+      <p:sp>
+        <p:nvSpPr>
+          <p:cNvPr id="5" name="Title 4"/>
+          <p:cNvSpPr>
+            <a:spLocks noGrp="1"/>
+          </p:cNvSpPr>
+          <p:nvPr>
+            <p:ph type="title"/>
+          </p:nvPr>
+        </p:nvSpPr>
+        <p:spPr/>
+        <p:txBody>
+          <a:bodyPr/>
+          <a:lstStyle/>
+          <a:p>
+            <a:r>
+              <a:rPr lang="en-US" dirty="0"/>
+              <a:t>G</a:t>
+            </a:r>
+            <a:r>
+              <a:rPr lang="en-US" dirty="0" smtClean="0"/>
+              <a:t>enome </a:t>
+            </a:r>
+            <a:r>
+              <a:rPr lang="en-US" dirty="0" smtClean="0"/>
+              <a:t>assembly</a:t>
+            </a:r>
+            <a:endParaRPr lang="en-US" dirty="0"/>
+          </a:p>
+        </p:txBody>
+      </p:sp>
+      <p:pic>
+        <p:nvPicPr>
+          <p:cNvPr id="4" name="Picture 3"/>
+          <p:cNvPicPr>
+            <a:picLocks noChangeAspect="1"/>
+          </p:cNvPicPr>
+          <p:nvPr/>
+        </p:nvPicPr>
+        <p:blipFill>
+          <a:blip r:embed="rId2"/>
+          <a:stretch>
+            <a:fillRect/>
+          </a:stretch>
+        </p:blipFill>
+        <p:spPr>
+          <a:xfrm>
+            <a:off x="880322" y="1459077"/>
+            <a:ext cx="3148990" cy="2391265"/>
+          </a:xfrm>
+          <a:prstGeom prst="rect">
+            <a:avLst/>
+          </a:prstGeom>
+        </p:spPr>
+      </p:pic>
+      <p:pic>
+        <p:nvPicPr>
+          <p:cNvPr id="9" name="Picture 8"/>
+          <p:cNvPicPr>
+            <a:picLocks noChangeAspect="1"/>
+          </p:cNvPicPr>
+          <p:nvPr/>
+        </p:nvPicPr>
+        <p:blipFill>
+          <a:blip r:embed="rId3"/>
+          <a:stretch>
+            <a:fillRect/>
+          </a:stretch>
+        </p:blipFill>
+        <p:spPr>
+          <a:xfrm>
+            <a:off x="5553283" y="1459079"/>
+            <a:ext cx="2134462" cy="2391264"/>
+          </a:xfrm>
+          <a:prstGeom prst="rect">
+            <a:avLst/>
+          </a:prstGeom>
+        </p:spPr>
+      </p:pic>
+      <p:pic>
+        <p:nvPicPr>
+          <p:cNvPr id="10" name="Picture 9"/>
+          <p:cNvPicPr>
+            <a:picLocks noChangeAspect="1"/>
+          </p:cNvPicPr>
+          <p:nvPr/>
+        </p:nvPicPr>
+        <p:blipFill>
+          <a:blip r:embed="rId4"/>
+          <a:stretch>
+            <a:fillRect/>
+          </a:stretch>
+        </p:blipFill>
+        <p:spPr>
+          <a:xfrm>
+            <a:off x="880322" y="4316541"/>
+            <a:ext cx="3148990" cy="1938597"/>
+          </a:xfrm>
+          <a:prstGeom prst="rect">
+            <a:avLst/>
+          </a:prstGeom>
+        </p:spPr>
+      </p:pic>
+      <p:pic>
+        <p:nvPicPr>
+          <p:cNvPr id="11" name="Picture 10"/>
+          <p:cNvPicPr>
+            <a:picLocks noChangeAspect="1"/>
+          </p:cNvPicPr>
+          <p:nvPr/>
+        </p:nvPicPr>
+        <p:blipFill>
+          <a:blip r:embed="rId5"/>
+          <a:stretch>
+            <a:fillRect/>
+          </a:stretch>
+        </p:blipFill>
+        <p:spPr>
+          <a:xfrm>
+            <a:off x="5358370" y="4316540"/>
+            <a:ext cx="2389657" cy="1938597"/>
+          </a:xfrm>
+          <a:prstGeom prst="rect">
+            <a:avLst/>
+          </a:prstGeom>
+        </p:spPr>
+      </p:pic>
+      <p:sp>
+        <p:nvSpPr>
+          <p:cNvPr id="12" name="TextBox 11"/>
+          <p:cNvSpPr txBox="1"/>
+          <p:nvPr/>
+        </p:nvSpPr>
+        <p:spPr>
+          <a:xfrm>
+            <a:off x="1945676" y="1089747"/>
+            <a:ext cx="766143" cy="369332"/>
+          </a:xfrm>
+          <a:prstGeom prst="rect">
+            <a:avLst/>
+          </a:prstGeom>
+          <a:noFill/>
+        </p:spPr>
+        <p:txBody>
+          <a:bodyPr wrap="none" rtlCol="0">
+            <a:spAutoFit/>
+          </a:bodyPr>
+          <a:lstStyle/>
+          <a:p>
+            <a:r>
+              <a:rPr lang="en-US" dirty="0" smtClean="0"/>
+              <a:t>Turtle</a:t>
+            </a:r>
+            <a:endParaRPr lang="en-US" dirty="0"/>
+          </a:p>
+        </p:txBody>
+      </p:sp>
+      <p:sp>
+        <p:nvSpPr>
+          <p:cNvPr id="13" name="TextBox 12"/>
+          <p:cNvSpPr txBox="1"/>
+          <p:nvPr/>
+        </p:nvSpPr>
+        <p:spPr>
+          <a:xfrm>
+            <a:off x="6309934" y="1089747"/>
+            <a:ext cx="659155" cy="369332"/>
+          </a:xfrm>
+          <a:prstGeom prst="rect">
+            <a:avLst/>
+          </a:prstGeom>
+          <a:noFill/>
+        </p:spPr>
+        <p:txBody>
+          <a:bodyPr wrap="none" rtlCol="0">
+            <a:spAutoFit/>
+          </a:bodyPr>
+          <a:lstStyle/>
+          <a:p>
+            <a:r>
+              <a:rPr lang="en-US" dirty="0" smtClean="0"/>
+              <a:t>Wolf</a:t>
+            </a:r>
+            <a:endParaRPr lang="en-US" dirty="0"/>
+          </a:p>
+        </p:txBody>
+      </p:sp>
+      <p:sp>
+        <p:nvSpPr>
+          <p:cNvPr id="14" name="TextBox 13"/>
+          <p:cNvSpPr txBox="1"/>
+          <p:nvPr/>
+        </p:nvSpPr>
+        <p:spPr>
+          <a:xfrm>
+            <a:off x="1945676" y="6259591"/>
+            <a:ext cx="787783" cy="369332"/>
+          </a:xfrm>
+          <a:prstGeom prst="rect">
+            <a:avLst/>
+          </a:prstGeom>
+          <a:noFill/>
+        </p:spPr>
+        <p:txBody>
+          <a:bodyPr wrap="none" rtlCol="0">
+            <a:spAutoFit/>
+          </a:bodyPr>
+          <a:lstStyle/>
+          <a:p>
+            <a:r>
+              <a:rPr lang="en-US" dirty="0" smtClean="0"/>
+              <a:t>Rhino</a:t>
+            </a:r>
+            <a:endParaRPr lang="en-US" dirty="0"/>
+          </a:p>
+        </p:txBody>
+      </p:sp>
+      <p:sp>
+        <p:nvSpPr>
+          <p:cNvPr id="15" name="TextBox 14"/>
+          <p:cNvSpPr txBox="1"/>
+          <p:nvPr/>
+        </p:nvSpPr>
+        <p:spPr>
+          <a:xfrm>
+            <a:off x="6056740" y="6259591"/>
+            <a:ext cx="992918" cy="369332"/>
+          </a:xfrm>
+          <a:prstGeom prst="rect">
+            <a:avLst/>
+          </a:prstGeom>
+          <a:noFill/>
+        </p:spPr>
+        <p:txBody>
+          <a:bodyPr wrap="none" rtlCol="0">
+            <a:spAutoFit/>
+          </a:bodyPr>
+          <a:lstStyle/>
+          <a:p>
+            <a:r>
+              <a:rPr lang="en-US" dirty="0" smtClean="0"/>
+              <a:t>Rooster</a:t>
+            </a:r>
+            <a:endParaRPr lang="en-US" dirty="0"/>
+          </a:p>
+        </p:txBody>
+      </p:sp>
+    </p:spTree>
+    <p:extLst>
+      <p:ext uri="{BB962C8B-B14F-4D97-AF65-F5344CB8AC3E}">
+        <p14:creationId xmlns:p14="http://schemas.microsoft.com/office/powerpoint/2010/main" val="533258287"/>
       </p:ext>
     </p:extLst>
   </p:cSld>
